--- a/term/fig/slide.pptx
+++ b/term/fig/slide.pptx
@@ -245,7 +245,7 @@
           </a:lstStyle>
           <a:p>
             <a:fld id="{6B8D1B20-A248-FB47-8240-73C0C5F47C9D}" type="datetimeFigureOut">
-              <a:t>9/26/2021</a:t>
+              <a:t>2021/9/27</a:t>
             </a:fld>
             <a:endParaRPr kumimoji="1" lang="ja-JP" altLang="en-US"/>
           </a:p>

--- a/term/fig/slide.pptx
+++ b/term/fig/slide.pptx
@@ -245,7 +245,7 @@
           </a:lstStyle>
           <a:p>
             <a:fld id="{6B8D1B20-A248-FB47-8240-73C0C5F47C9D}" type="datetimeFigureOut">
-              <a:t>2021/9/27</a:t>
+              <a:t>2022/9/27</a:t>
             </a:fld>
             <a:endParaRPr kumimoji="1" lang="ja-JP" altLang="en-US"/>
           </a:p>
@@ -537,10 +537,54 @@
       </p:grpSpPr>
       <p:sp>
         <p:nvSpPr>
-          <p:cNvPr id="4" name="円/楕円 3">
-            <a:extLst>
-              <a:ext uri="{FF2B5EF4-FFF2-40B4-BE49-F238E27FC236}">
-                <a16:creationId xmlns:a16="http://schemas.microsoft.com/office/drawing/2014/main" id="{40BD511A-FE9E-B641-A323-1F2451D0C873}"/>
+          <p:cNvPr id="7" name="テキスト プレースホルダー 6">
+            <a:extLst>
+              <a:ext uri="{FF2B5EF4-FFF2-40B4-BE49-F238E27FC236}">
+                <a16:creationId xmlns:a16="http://schemas.microsoft.com/office/drawing/2014/main" id="{1977278B-6103-7448-8885-11FCA29D84A1}"/>
+              </a:ext>
+            </a:extLst>
+          </p:cNvPr>
+          <p:cNvSpPr>
+            <a:spLocks noGrp="1"/>
+          </p:cNvSpPr>
+          <p:nvPr>
+            <p:ph type="body" sz="quarter" idx="10"/>
+          </p:nvPr>
+        </p:nvSpPr>
+        <p:spPr>
+          <a:xfrm>
+            <a:off x="0" y="190133"/>
+            <a:ext cx="9144000" cy="754062"/>
+          </a:xfrm>
+          <a:prstGeom prst="rect">
+            <a:avLst/>
+          </a:prstGeom>
+        </p:spPr>
+        <p:txBody>
+          <a:bodyPr/>
+          <a:lstStyle>
+            <a:lvl1pPr marL="0" indent="0" algn="ctr">
+              <a:buNone/>
+              <a:defRPr sz="4000">
+                <a:ln>
+                  <a:solidFill>
+                    <a:srgbClr val="011893"/>
+                  </a:solidFill>
+                </a:ln>
+              </a:defRPr>
+            </a:lvl1pPr>
+          </a:lstStyle>
+          <a:p>
+            <a:endParaRPr kumimoji="1" lang="ja-JP" altLang="en-US"/>
+          </a:p>
+        </p:txBody>
+      </p:sp>
+      <p:sp>
+        <p:nvSpPr>
+          <p:cNvPr id="17" name="円/楕円 3">
+            <a:extLst>
+              <a:ext uri="{FF2B5EF4-FFF2-40B4-BE49-F238E27FC236}">
+                <a16:creationId xmlns:a16="http://schemas.microsoft.com/office/drawing/2014/main" id="{0143EE8A-2491-698B-0154-B87DE6DE09E3}"/>
               </a:ext>
             </a:extLst>
           </p:cNvPr>
@@ -549,8 +593,8 @@
         </p:nvSpPr>
         <p:spPr>
           <a:xfrm>
-            <a:off x="8651631" y="6350558"/>
-            <a:ext cx="411982" cy="411982"/>
+            <a:off x="8497721" y="6230795"/>
+            <a:ext cx="531173" cy="531173"/>
           </a:xfrm>
           <a:prstGeom prst="ellipse">
             <a:avLst/>
@@ -598,10 +642,10 @@
       </p:sp>
       <p:sp>
         <p:nvSpPr>
-          <p:cNvPr id="5" name="テキスト ボックス 4">
-            <a:extLst>
-              <a:ext uri="{FF2B5EF4-FFF2-40B4-BE49-F238E27FC236}">
-                <a16:creationId xmlns:a16="http://schemas.microsoft.com/office/drawing/2014/main" id="{80A01A1C-B0C5-904D-963A-785848775F4A}"/>
+          <p:cNvPr id="18" name="テキスト ボックス 17">
+            <a:extLst>
+              <a:ext uri="{FF2B5EF4-FFF2-40B4-BE49-F238E27FC236}">
+                <a16:creationId xmlns:a16="http://schemas.microsoft.com/office/drawing/2014/main" id="{AD4CF79C-FABA-EB82-0C11-48C1C1042C9D}"/>
               </a:ext>
             </a:extLst>
           </p:cNvPr>
@@ -610,7 +654,7 @@
         </p:nvSpPr>
         <p:spPr>
           <a:xfrm>
-            <a:off x="8661679" y="6400799"/>
+            <a:off x="8491428" y="6270575"/>
             <a:ext cx="401072" cy="307777"/>
           </a:xfrm>
           <a:prstGeom prst="rect">
@@ -630,51 +674,103 @@
               <a:pPr algn="ctr"/>
               <a:t>‹#›</a:t>
             </a:fld>
-            <a:endParaRPr kumimoji="1" lang="ja-JP" altLang="en-US" sz="1400"/>
+            <a:endParaRPr kumimoji="1" lang="ja-JP" altLang="en-US" sz="1400" dirty="0"/>
           </a:p>
         </p:txBody>
       </p:sp>
       <p:sp>
         <p:nvSpPr>
-          <p:cNvPr id="7" name="テキスト プレースホルダー 6">
-            <a:extLst>
-              <a:ext uri="{FF2B5EF4-FFF2-40B4-BE49-F238E27FC236}">
-                <a16:creationId xmlns:a16="http://schemas.microsoft.com/office/drawing/2014/main" id="{1977278B-6103-7448-8885-11FCA29D84A1}"/>
-              </a:ext>
-            </a:extLst>
-          </p:cNvPr>
-          <p:cNvSpPr>
-            <a:spLocks noGrp="1"/>
-          </p:cNvSpPr>
-          <p:nvPr>
-            <p:ph type="body" sz="quarter" idx="10"/>
-          </p:nvPr>
+          <p:cNvPr id="19" name="弦 18">
+            <a:extLst>
+              <a:ext uri="{FF2B5EF4-FFF2-40B4-BE49-F238E27FC236}">
+                <a16:creationId xmlns:a16="http://schemas.microsoft.com/office/drawing/2014/main" id="{00402E9D-4BAC-E229-C9F9-225FEF0FC61C}"/>
+              </a:ext>
+            </a:extLst>
+          </p:cNvPr>
+          <p:cNvSpPr/>
+          <p:nvPr userDrawn="1"/>
         </p:nvSpPr>
         <p:spPr>
-          <a:xfrm>
-            <a:off x="0" y="190133"/>
-            <a:ext cx="9144000" cy="754062"/>
+          <a:xfrm rot="16200000">
+            <a:off x="8491626" y="6224701"/>
+            <a:ext cx="588253" cy="576063"/>
+          </a:xfrm>
+          <a:prstGeom prst="chord">
+            <a:avLst>
+              <a:gd name="adj1" fmla="val 2700000"/>
+              <a:gd name="adj2" fmla="val 14142403"/>
+            </a:avLst>
+          </a:prstGeom>
+          <a:solidFill>
+            <a:schemeClr val="bg1">
+              <a:lumMod val="65000"/>
+            </a:schemeClr>
+          </a:solidFill>
+          <a:ln>
+            <a:noFill/>
+          </a:ln>
+          <a:effectLst>
+            <a:softEdge rad="31750"/>
+          </a:effectLst>
+        </p:spPr>
+        <p:style>
+          <a:lnRef idx="2">
+            <a:schemeClr val="accent1">
+              <a:shade val="50000"/>
+            </a:schemeClr>
+          </a:lnRef>
+          <a:fillRef idx="1">
+            <a:schemeClr val="accent1"/>
+          </a:fillRef>
+          <a:effectRef idx="0">
+            <a:schemeClr val="accent1"/>
+          </a:effectRef>
+          <a:fontRef idx="minor">
+            <a:schemeClr val="lt1"/>
+          </a:fontRef>
+        </p:style>
+        <p:txBody>
+          <a:bodyPr rtlCol="0" anchor="ctr"/>
+          <a:lstStyle/>
+          <a:p>
+            <a:pPr algn="ctr"/>
+            <a:endParaRPr kumimoji="1" lang="ja-JP" altLang="en-US" dirty="0"/>
+          </a:p>
+        </p:txBody>
+      </p:sp>
+      <p:sp>
+        <p:nvSpPr>
+          <p:cNvPr id="20" name="テキスト ボックス 19">
+            <a:extLst>
+              <a:ext uri="{FF2B5EF4-FFF2-40B4-BE49-F238E27FC236}">
+                <a16:creationId xmlns:a16="http://schemas.microsoft.com/office/drawing/2014/main" id="{907F804C-683C-EC49-8B1E-FD20DCEAF7F8}"/>
+              </a:ext>
+            </a:extLst>
+          </p:cNvPr>
+          <p:cNvSpPr txBox="1"/>
+          <p:nvPr userDrawn="1"/>
+        </p:nvSpPr>
+        <p:spPr>
+          <a:xfrm>
+            <a:off x="8596070" y="6442913"/>
+            <a:ext cx="496310" cy="307777"/>
           </a:xfrm>
           <a:prstGeom prst="rect">
             <a:avLst/>
           </a:prstGeom>
+          <a:noFill/>
         </p:spPr>
         <p:txBody>
-          <a:bodyPr/>
-          <a:lstStyle>
-            <a:lvl1pPr marL="0" indent="0" algn="ctr">
-              <a:buNone/>
-              <a:defRPr sz="4000">
-                <a:ln>
-                  <a:solidFill>
-                    <a:srgbClr val="011893"/>
-                  </a:solidFill>
-                </a:ln>
-              </a:defRPr>
-            </a:lvl1pPr>
-          </a:lstStyle>
-          <a:p>
-            <a:endParaRPr kumimoji="1" lang="ja-JP" altLang="en-US"/>
+          <a:bodyPr wrap="square" rtlCol="0">
+            <a:spAutoFit/>
+          </a:bodyPr>
+          <a:lstStyle/>
+          <a:p>
+            <a:pPr algn="ctr"/>
+            <a:r>
+              <a:rPr kumimoji="1" lang="en-US" altLang="ja-JP" sz="1400" dirty="0"/>
+              <a:t>39</a:t>
+            </a:r>
           </a:p>
         </p:txBody>
       </p:sp>
